--- a/공용폴더/주간발표자료/2020_12_18/정량화/주간발표자료_JRH_20201217.pptx
+++ b/공용폴더/주간발표자료/2020_12_18/정량화/주간발표자료_JRH_20201217.pptx
@@ -8,9 +8,11 @@
     <p:sldId id="264" r:id="rId2"/>
     <p:sldId id="261" r:id="rId3"/>
     <p:sldId id="259" r:id="rId4"/>
-    <p:sldId id="266" r:id="rId5"/>
-    <p:sldId id="268" r:id="rId6"/>
-    <p:sldId id="267" r:id="rId7"/>
+    <p:sldId id="269" r:id="rId5"/>
+    <p:sldId id="266" r:id="rId6"/>
+    <p:sldId id="268" r:id="rId7"/>
+    <p:sldId id="267" r:id="rId8"/>
+    <p:sldId id="270" r:id="rId9"/>
   </p:sldIdLst>
   <p:sldSz cx="12192000" cy="6858000"/>
   <p:notesSz cx="6858000" cy="9144000"/>
@@ -121,6 +123,7 @@
 <p1510:revInfo xmlns:a="http://schemas.openxmlformats.org/drawingml/2006/main" xmlns:r="http://schemas.openxmlformats.org/officeDocument/2006/relationships" xmlns:p1510="http://schemas.microsoft.com/office/powerpoint/2015/10/main">
   <p1510:revLst>
     <p1510:client id="{26E526E0-21BE-4E42-B591-2D32BA911416}" v="386" dt="2020-12-17T07:02:01.579"/>
+    <p1510:client id="{F9D4C723-280A-F957-29DD-A8A39D79673A}" v="63" dt="2020-12-17T07:12:05.997"/>
   </p1510:revLst>
 </p1510:revInfo>
 </file>
@@ -3714,6 +3717,330 @@
           <a:chExt cx="0" cy="0"/>
         </a:xfrm>
       </p:grpSpPr>
+      <p:cxnSp>
+        <p:nvCxnSpPr>
+          <p:cNvPr id="15" name="직선 연결선 14"/>
+          <p:cNvCxnSpPr/>
+          <p:nvPr/>
+        </p:nvCxnSpPr>
+        <p:spPr>
+          <a:xfrm>
+            <a:off x="0" y="616688"/>
+            <a:ext cx="12192000" cy="0"/>
+          </a:xfrm>
+          <a:prstGeom prst="line">
+            <a:avLst/>
+          </a:prstGeom>
+          <a:ln>
+            <a:solidFill>
+              <a:schemeClr val="bg2">
+                <a:lumMod val="50000"/>
+                <a:alpha val="20000"/>
+              </a:schemeClr>
+            </a:solidFill>
+          </a:ln>
+        </p:spPr>
+        <p:style>
+          <a:lnRef idx="1">
+            <a:schemeClr val="accent1"/>
+          </a:lnRef>
+          <a:fillRef idx="0">
+            <a:schemeClr val="accent1"/>
+          </a:fillRef>
+          <a:effectRef idx="0">
+            <a:schemeClr val="accent1"/>
+          </a:effectRef>
+          <a:fontRef idx="minor">
+            <a:schemeClr val="tx1"/>
+          </a:fontRef>
+        </p:style>
+      </p:cxnSp>
+      <p:pic>
+        <p:nvPicPr>
+          <p:cNvPr id="16" name="그림 15"/>
+          <p:cNvPicPr>
+            <a:picLocks noChangeAspect="1"/>
+          </p:cNvPicPr>
+          <p:nvPr/>
+        </p:nvPicPr>
+        <p:blipFill>
+          <a:blip r:embed="rId2" cstate="print">
+            <a:extLst>
+              <a:ext uri="{28A0092B-C50C-407E-A947-70E740481C1C}">
+                <a14:useLocalDpi xmlns:a14="http://schemas.microsoft.com/office/drawing/2010/main" val="0"/>
+              </a:ext>
+            </a:extLst>
+          </a:blip>
+          <a:stretch>
+            <a:fillRect/>
+          </a:stretch>
+        </p:blipFill>
+        <p:spPr>
+          <a:xfrm>
+            <a:off x="11076845" y="0"/>
+            <a:ext cx="1115155" cy="627903"/>
+          </a:xfrm>
+          <a:prstGeom prst="rect">
+            <a:avLst/>
+          </a:prstGeom>
+        </p:spPr>
+      </p:pic>
+      <p:sp>
+        <p:nvSpPr>
+          <p:cNvPr id="4" name="TextBox 3">
+            <a:extLst>
+              <a:ext uri="{FF2B5EF4-FFF2-40B4-BE49-F238E27FC236}">
+                <a16:creationId xmlns:a16="http://schemas.microsoft.com/office/drawing/2014/main" id="{06D03A65-2E7E-4846-AD47-D0CB8489CC97}"/>
+              </a:ext>
+            </a:extLst>
+          </p:cNvPr>
+          <p:cNvSpPr txBox="1"/>
+          <p:nvPr/>
+        </p:nvSpPr>
+        <p:spPr>
+          <a:xfrm>
+            <a:off x="549543" y="123678"/>
+            <a:ext cx="2470548" cy="369332"/>
+          </a:xfrm>
+          <a:prstGeom prst="rect">
+            <a:avLst/>
+          </a:prstGeom>
+          <a:noFill/>
+        </p:spPr>
+        <p:txBody>
+          <a:bodyPr wrap="none" lIns="91440" tIns="45720" rIns="91440" bIns="45720" rtlCol="0" anchor="t">
+            <a:spAutoFit/>
+          </a:bodyPr>
+          <a:lstStyle/>
+          <a:p>
+            <a:r>
+              <a:rPr lang="en-US" altLang="ko-KR" dirty="0">
+                <a:latin typeface="나눔바른고딕" panose="020B0603020101020101" pitchFamily="50" charset="-127"/>
+                <a:ea typeface="나눔바른고딕"/>
+              </a:rPr>
+              <a:t>2020</a:t>
+            </a:r>
+            <a:r>
+              <a:rPr lang="ko-KR" altLang="en-US" dirty="0">
+                <a:latin typeface="나눔바른고딕" panose="020B0603020101020101" pitchFamily="50" charset="-127"/>
+                <a:ea typeface="나눔바른고딕"/>
+              </a:rPr>
+              <a:t>년도 </a:t>
+            </a:r>
+            <a:r>
+              <a:rPr lang="en-US" altLang="ko-KR" dirty="0">
+                <a:latin typeface="나눔바른고딕" panose="020B0603020101020101" pitchFamily="50" charset="-127"/>
+                <a:ea typeface="나눔바른고딕"/>
+              </a:rPr>
+              <a:t>12</a:t>
+            </a:r>
+            <a:r>
+              <a:rPr lang="ko-KR" altLang="en-US" dirty="0">
+                <a:latin typeface="나눔바른고딕" panose="020B0603020101020101" pitchFamily="50" charset="-127"/>
+                <a:ea typeface="나눔바른고딕"/>
+              </a:rPr>
+              <a:t>월 3주차 </a:t>
+            </a:r>
+            <a:endParaRPr lang="ko-KR" altLang="en-US" dirty="0">
+              <a:latin typeface="나눔바른고딕" panose="020B0603020101020101" pitchFamily="50" charset="-127"/>
+              <a:ea typeface="나눔바른고딕" panose="020B0603020101020101" pitchFamily="50" charset="-127"/>
+            </a:endParaRPr>
+          </a:p>
+        </p:txBody>
+      </p:sp>
+      <p:sp>
+        <p:nvSpPr>
+          <p:cNvPr id="5" name="TextBox 4">
+            <a:extLst>
+              <a:ext uri="{FF2B5EF4-FFF2-40B4-BE49-F238E27FC236}">
+                <a16:creationId xmlns:a16="http://schemas.microsoft.com/office/drawing/2014/main" id="{B5CAED28-B09C-4524-982A-9269C4A35695}"/>
+              </a:ext>
+            </a:extLst>
+          </p:cNvPr>
+          <p:cNvSpPr txBox="1"/>
+          <p:nvPr/>
+        </p:nvSpPr>
+        <p:spPr>
+          <a:xfrm>
+            <a:off x="2838648" y="229541"/>
+            <a:ext cx="1662635" cy="261610"/>
+          </a:xfrm>
+          <a:prstGeom prst="rect">
+            <a:avLst/>
+          </a:prstGeom>
+          <a:noFill/>
+        </p:spPr>
+        <p:txBody>
+          <a:bodyPr wrap="none" lIns="91440" tIns="45720" rIns="91440" bIns="45720" rtlCol="0" anchor="t">
+            <a:spAutoFit/>
+          </a:bodyPr>
+          <a:lstStyle/>
+          <a:p>
+            <a:r>
+              <a:rPr lang="en-US" altLang="ko-KR" sz="1100" dirty="0">
+                <a:latin typeface="나눔바른고딕" panose="020B0603020101020101" pitchFamily="50" charset="-127"/>
+                <a:ea typeface="나눔바른고딕"/>
+              </a:rPr>
+              <a:t>12</a:t>
+            </a:r>
+            <a:r>
+              <a:rPr lang="ko-KR" altLang="en-US" sz="1100" dirty="0">
+                <a:latin typeface="나눔바른고딕" panose="020B0603020101020101" pitchFamily="50" charset="-127"/>
+                <a:ea typeface="나눔바른고딕"/>
+              </a:rPr>
+              <a:t>월 11일 </a:t>
+            </a:r>
+            <a:r>
+              <a:rPr lang="en-US" altLang="ko-KR" sz="1100" dirty="0">
+                <a:latin typeface="나눔바른고딕" panose="020B0603020101020101" pitchFamily="50" charset="-127"/>
+                <a:ea typeface="나눔바른고딕"/>
+              </a:rPr>
+              <a:t>~ 12</a:t>
+            </a:r>
+            <a:r>
+              <a:rPr lang="ko-KR" altLang="en-US" sz="1100" dirty="0">
+                <a:latin typeface="나눔바른고딕" panose="020B0603020101020101" pitchFamily="50" charset="-127"/>
+                <a:ea typeface="나눔바른고딕"/>
+              </a:rPr>
+              <a:t>월 </a:t>
+            </a:r>
+            <a:r>
+              <a:rPr lang="en-US" altLang="ko-KR" sz="1100" dirty="0">
+                <a:latin typeface="나눔바른고딕" panose="020B0603020101020101" pitchFamily="50" charset="-127"/>
+                <a:ea typeface="나눔바른고딕"/>
+              </a:rPr>
+              <a:t>17</a:t>
+            </a:r>
+            <a:r>
+              <a:rPr lang="ko-KR" altLang="en-US" sz="1100" dirty="0">
+                <a:latin typeface="나눔바른고딕" panose="020B0603020101020101" pitchFamily="50" charset="-127"/>
+                <a:ea typeface="나눔바른고딕"/>
+              </a:rPr>
+              <a:t>일</a:t>
+            </a:r>
+          </a:p>
+        </p:txBody>
+      </p:sp>
+      <p:pic>
+        <p:nvPicPr>
+          <p:cNvPr id="11" name="그림 11" descr="텍스트이(가) 표시된 사진&#10;&#10;자동 생성된 설명">
+            <a:extLst>
+              <a:ext uri="{FF2B5EF4-FFF2-40B4-BE49-F238E27FC236}">
+                <a16:creationId xmlns:a16="http://schemas.microsoft.com/office/drawing/2014/main" id="{4D9368F4-3D3E-467C-9A42-2635BFF3DE13}"/>
+              </a:ext>
+            </a:extLst>
+          </p:cNvPr>
+          <p:cNvPicPr>
+            <a:picLocks noChangeAspect="1"/>
+          </p:cNvPicPr>
+          <p:nvPr/>
+        </p:nvPicPr>
+        <p:blipFill>
+          <a:blip r:embed="rId3"/>
+          <a:stretch>
+            <a:fillRect/>
+          </a:stretch>
+        </p:blipFill>
+        <p:spPr>
+          <a:xfrm>
+            <a:off x="271749" y="1185392"/>
+            <a:ext cx="3991779" cy="4698375"/>
+          </a:xfrm>
+          <a:prstGeom prst="rect">
+            <a:avLst/>
+          </a:prstGeom>
+        </p:spPr>
+      </p:pic>
+      <p:pic>
+        <p:nvPicPr>
+          <p:cNvPr id="12" name="그림 12" descr="텍스트이(가) 표시된 사진&#10;&#10;자동 생성된 설명">
+            <a:extLst>
+              <a:ext uri="{FF2B5EF4-FFF2-40B4-BE49-F238E27FC236}">
+                <a16:creationId xmlns:a16="http://schemas.microsoft.com/office/drawing/2014/main" id="{666D395D-345D-4AA5-9256-DA2F0495195D}"/>
+              </a:ext>
+            </a:extLst>
+          </p:cNvPr>
+          <p:cNvPicPr>
+            <a:picLocks noChangeAspect="1"/>
+          </p:cNvPicPr>
+          <p:nvPr/>
+        </p:nvPicPr>
+        <p:blipFill>
+          <a:blip r:embed="rId4"/>
+          <a:stretch>
+            <a:fillRect/>
+          </a:stretch>
+        </p:blipFill>
+        <p:spPr>
+          <a:xfrm>
+            <a:off x="4256183" y="1394064"/>
+            <a:ext cx="3707176" cy="4437101"/>
+          </a:xfrm>
+          <a:prstGeom prst="rect">
+            <a:avLst/>
+          </a:prstGeom>
+        </p:spPr>
+      </p:pic>
+      <p:pic>
+        <p:nvPicPr>
+          <p:cNvPr id="13" name="그림 13" descr="텍스트이(가) 표시된 사진&#10;&#10;자동 생성된 설명">
+            <a:extLst>
+              <a:ext uri="{FF2B5EF4-FFF2-40B4-BE49-F238E27FC236}">
+                <a16:creationId xmlns:a16="http://schemas.microsoft.com/office/drawing/2014/main" id="{6EDEE083-A045-4173-BCB2-3DF9D8C73FA8}"/>
+              </a:ext>
+            </a:extLst>
+          </p:cNvPr>
+          <p:cNvPicPr>
+            <a:picLocks noChangeAspect="1"/>
+          </p:cNvPicPr>
+          <p:nvPr/>
+        </p:nvPicPr>
+        <p:blipFill>
+          <a:blip r:embed="rId5"/>
+          <a:stretch>
+            <a:fillRect/>
+          </a:stretch>
+        </p:blipFill>
+        <p:spPr>
+          <a:xfrm>
+            <a:off x="7956014" y="1185231"/>
+            <a:ext cx="4000959" cy="4000959"/>
+          </a:xfrm>
+          <a:prstGeom prst="rect">
+            <a:avLst/>
+          </a:prstGeom>
+        </p:spPr>
+      </p:pic>
+    </p:spTree>
+    <p:extLst>
+      <p:ext uri="{BB962C8B-B14F-4D97-AF65-F5344CB8AC3E}">
+        <p14:creationId xmlns:p14="http://schemas.microsoft.com/office/powerpoint/2010/main" val="1345511484"/>
+      </p:ext>
+    </p:extLst>
+  </p:cSld>
+  <p:clrMapOvr>
+    <a:masterClrMapping/>
+  </p:clrMapOvr>
+</p:sld>
+</file>
+
+<file path=ppt/slides/slide5.xml><?xml version="1.0" encoding="utf-8"?>
+<p:sld xmlns:a="http://schemas.openxmlformats.org/drawingml/2006/main" xmlns:r="http://schemas.openxmlformats.org/officeDocument/2006/relationships" xmlns:p="http://schemas.openxmlformats.org/presentationml/2006/main">
+  <p:cSld>
+    <p:spTree>
+      <p:nvGrpSpPr>
+        <p:cNvPr id="1" name=""/>
+        <p:cNvGrpSpPr/>
+        <p:nvPr/>
+      </p:nvGrpSpPr>
+      <p:grpSpPr>
+        <a:xfrm>
+          <a:off x="0" y="0"/>
+          <a:ext cx="0" cy="0"/>
+          <a:chOff x="0" y="0"/>
+          <a:chExt cx="0" cy="0"/>
+        </a:xfrm>
+      </p:grpSpPr>
       <p:pic>
         <p:nvPicPr>
           <p:cNvPr id="11" name="그림 11" descr="화살이(가) 표시된 사진&#10;&#10;자동 생성된 설명">
@@ -4081,7 +4408,7 @@
 </p:sld>
 </file>
 
-<file path=ppt/slides/slide5.xml><?xml version="1.0" encoding="utf-8"?>
+<file path=ppt/slides/slide6.xml><?xml version="1.0" encoding="utf-8"?>
 <p:sld xmlns:a="http://schemas.openxmlformats.org/drawingml/2006/main" xmlns:r="http://schemas.openxmlformats.org/officeDocument/2006/relationships" xmlns:p="http://schemas.openxmlformats.org/presentationml/2006/main">
   <p:cSld>
     <p:spTree>
@@ -4615,7 +4942,7 @@
 </p:sld>
 </file>
 
-<file path=ppt/slides/slide6.xml><?xml version="1.0" encoding="utf-8"?>
+<file path=ppt/slides/slide7.xml><?xml version="1.0" encoding="utf-8"?>
 <p:sld xmlns:a="http://schemas.openxmlformats.org/drawingml/2006/main" xmlns:r="http://schemas.openxmlformats.org/officeDocument/2006/relationships" xmlns:p="http://schemas.openxmlformats.org/presentationml/2006/main">
   <p:cSld>
     <p:spTree>
@@ -5110,6 +5437,292 @@
     <p:extLst>
       <p:ext uri="{BB962C8B-B14F-4D97-AF65-F5344CB8AC3E}">
         <p14:creationId xmlns:p14="http://schemas.microsoft.com/office/powerpoint/2010/main" val="1785675741"/>
+      </p:ext>
+    </p:extLst>
+  </p:cSld>
+  <p:clrMapOvr>
+    <a:masterClrMapping/>
+  </p:clrMapOvr>
+</p:sld>
+</file>
+
+<file path=ppt/slides/slide8.xml><?xml version="1.0" encoding="utf-8"?>
+<p:sld xmlns:a="http://schemas.openxmlformats.org/drawingml/2006/main" xmlns:r="http://schemas.openxmlformats.org/officeDocument/2006/relationships" xmlns:p="http://schemas.openxmlformats.org/presentationml/2006/main">
+  <p:cSld>
+    <p:spTree>
+      <p:nvGrpSpPr>
+        <p:cNvPr id="1" name=""/>
+        <p:cNvGrpSpPr/>
+        <p:nvPr/>
+      </p:nvGrpSpPr>
+      <p:grpSpPr>
+        <a:xfrm>
+          <a:off x="0" y="0"/>
+          <a:ext cx="0" cy="0"/>
+          <a:chOff x="0" y="0"/>
+          <a:chExt cx="0" cy="0"/>
+        </a:xfrm>
+      </p:grpSpPr>
+      <p:cxnSp>
+        <p:nvCxnSpPr>
+          <p:cNvPr id="15" name="직선 연결선 14"/>
+          <p:cNvCxnSpPr/>
+          <p:nvPr/>
+        </p:nvCxnSpPr>
+        <p:spPr>
+          <a:xfrm>
+            <a:off x="0" y="616688"/>
+            <a:ext cx="12192000" cy="0"/>
+          </a:xfrm>
+          <a:prstGeom prst="line">
+            <a:avLst/>
+          </a:prstGeom>
+          <a:ln>
+            <a:solidFill>
+              <a:schemeClr val="bg2">
+                <a:lumMod val="50000"/>
+                <a:alpha val="20000"/>
+              </a:schemeClr>
+            </a:solidFill>
+          </a:ln>
+        </p:spPr>
+        <p:style>
+          <a:lnRef idx="1">
+            <a:schemeClr val="accent1"/>
+          </a:lnRef>
+          <a:fillRef idx="0">
+            <a:schemeClr val="accent1"/>
+          </a:fillRef>
+          <a:effectRef idx="0">
+            <a:schemeClr val="accent1"/>
+          </a:effectRef>
+          <a:fontRef idx="minor">
+            <a:schemeClr val="tx1"/>
+          </a:fontRef>
+        </p:style>
+      </p:cxnSp>
+      <p:pic>
+        <p:nvPicPr>
+          <p:cNvPr id="16" name="그림 15"/>
+          <p:cNvPicPr>
+            <a:picLocks noChangeAspect="1"/>
+          </p:cNvPicPr>
+          <p:nvPr/>
+        </p:nvPicPr>
+        <p:blipFill>
+          <a:blip r:embed="rId2" cstate="print">
+            <a:extLst>
+              <a:ext uri="{28A0092B-C50C-407E-A947-70E740481C1C}">
+                <a14:useLocalDpi xmlns:a14="http://schemas.microsoft.com/office/drawing/2010/main" val="0"/>
+              </a:ext>
+            </a:extLst>
+          </a:blip>
+          <a:stretch>
+            <a:fillRect/>
+          </a:stretch>
+        </p:blipFill>
+        <p:spPr>
+          <a:xfrm>
+            <a:off x="11076845" y="0"/>
+            <a:ext cx="1115155" cy="627903"/>
+          </a:xfrm>
+          <a:prstGeom prst="rect">
+            <a:avLst/>
+          </a:prstGeom>
+        </p:spPr>
+      </p:pic>
+      <p:sp>
+        <p:nvSpPr>
+          <p:cNvPr id="4" name="TextBox 3">
+            <a:extLst>
+              <a:ext uri="{FF2B5EF4-FFF2-40B4-BE49-F238E27FC236}">
+                <a16:creationId xmlns:a16="http://schemas.microsoft.com/office/drawing/2014/main" id="{06D03A65-2E7E-4846-AD47-D0CB8489CC97}"/>
+              </a:ext>
+            </a:extLst>
+          </p:cNvPr>
+          <p:cNvSpPr txBox="1"/>
+          <p:nvPr/>
+        </p:nvSpPr>
+        <p:spPr>
+          <a:xfrm>
+            <a:off x="549543" y="123678"/>
+            <a:ext cx="2470548" cy="369332"/>
+          </a:xfrm>
+          <a:prstGeom prst="rect">
+            <a:avLst/>
+          </a:prstGeom>
+          <a:noFill/>
+        </p:spPr>
+        <p:txBody>
+          <a:bodyPr wrap="none" lIns="91440" tIns="45720" rIns="91440" bIns="45720" rtlCol="0" anchor="t">
+            <a:spAutoFit/>
+          </a:bodyPr>
+          <a:lstStyle/>
+          <a:p>
+            <a:r>
+              <a:rPr lang="en-US" altLang="ko-KR" dirty="0">
+                <a:latin typeface="나눔바른고딕" panose="020B0603020101020101" pitchFamily="50" charset="-127"/>
+                <a:ea typeface="나눔바른고딕"/>
+              </a:rPr>
+              <a:t>2020</a:t>
+            </a:r>
+            <a:r>
+              <a:rPr lang="ko-KR" altLang="en-US" dirty="0">
+                <a:latin typeface="나눔바른고딕" panose="020B0603020101020101" pitchFamily="50" charset="-127"/>
+                <a:ea typeface="나눔바른고딕"/>
+              </a:rPr>
+              <a:t>년도 </a:t>
+            </a:r>
+            <a:r>
+              <a:rPr lang="en-US" altLang="ko-KR" dirty="0">
+                <a:latin typeface="나눔바른고딕" panose="020B0603020101020101" pitchFamily="50" charset="-127"/>
+                <a:ea typeface="나눔바른고딕"/>
+              </a:rPr>
+              <a:t>12</a:t>
+            </a:r>
+            <a:r>
+              <a:rPr lang="ko-KR" altLang="en-US" dirty="0">
+                <a:latin typeface="나눔바른고딕" panose="020B0603020101020101" pitchFamily="50" charset="-127"/>
+                <a:ea typeface="나눔바른고딕"/>
+              </a:rPr>
+              <a:t>월 3주차 </a:t>
+            </a:r>
+            <a:endParaRPr lang="ko-KR" altLang="en-US" dirty="0">
+              <a:latin typeface="나눔바른고딕" panose="020B0603020101020101" pitchFamily="50" charset="-127"/>
+              <a:ea typeface="나눔바른고딕" panose="020B0603020101020101" pitchFamily="50" charset="-127"/>
+            </a:endParaRPr>
+          </a:p>
+        </p:txBody>
+      </p:sp>
+      <p:sp>
+        <p:nvSpPr>
+          <p:cNvPr id="5" name="TextBox 4">
+            <a:extLst>
+              <a:ext uri="{FF2B5EF4-FFF2-40B4-BE49-F238E27FC236}">
+                <a16:creationId xmlns:a16="http://schemas.microsoft.com/office/drawing/2014/main" id="{B5CAED28-B09C-4524-982A-9269C4A35695}"/>
+              </a:ext>
+            </a:extLst>
+          </p:cNvPr>
+          <p:cNvSpPr txBox="1"/>
+          <p:nvPr/>
+        </p:nvSpPr>
+        <p:spPr>
+          <a:xfrm>
+            <a:off x="2838648" y="229541"/>
+            <a:ext cx="1662635" cy="261610"/>
+          </a:xfrm>
+          <a:prstGeom prst="rect">
+            <a:avLst/>
+          </a:prstGeom>
+          <a:noFill/>
+        </p:spPr>
+        <p:txBody>
+          <a:bodyPr wrap="none" lIns="91440" tIns="45720" rIns="91440" bIns="45720" rtlCol="0" anchor="t">
+            <a:spAutoFit/>
+          </a:bodyPr>
+          <a:lstStyle/>
+          <a:p>
+            <a:r>
+              <a:rPr lang="en-US" altLang="ko-KR" sz="1100" dirty="0">
+                <a:latin typeface="나눔바른고딕" panose="020B0603020101020101" pitchFamily="50" charset="-127"/>
+                <a:ea typeface="나눔바른고딕"/>
+              </a:rPr>
+              <a:t>12</a:t>
+            </a:r>
+            <a:r>
+              <a:rPr lang="ko-KR" altLang="en-US" sz="1100" dirty="0">
+                <a:latin typeface="나눔바른고딕" panose="020B0603020101020101" pitchFamily="50" charset="-127"/>
+                <a:ea typeface="나눔바른고딕"/>
+              </a:rPr>
+              <a:t>월 11일 </a:t>
+            </a:r>
+            <a:r>
+              <a:rPr lang="en-US" altLang="ko-KR" sz="1100" dirty="0">
+                <a:latin typeface="나눔바른고딕" panose="020B0603020101020101" pitchFamily="50" charset="-127"/>
+                <a:ea typeface="나눔바른고딕"/>
+              </a:rPr>
+              <a:t>~ 12</a:t>
+            </a:r>
+            <a:r>
+              <a:rPr lang="ko-KR" altLang="en-US" sz="1100" dirty="0">
+                <a:latin typeface="나눔바른고딕" panose="020B0603020101020101" pitchFamily="50" charset="-127"/>
+                <a:ea typeface="나눔바른고딕"/>
+              </a:rPr>
+              <a:t>월 </a:t>
+            </a:r>
+            <a:r>
+              <a:rPr lang="en-US" altLang="ko-KR" sz="1100" dirty="0">
+                <a:latin typeface="나눔바른고딕" panose="020B0603020101020101" pitchFamily="50" charset="-127"/>
+                <a:ea typeface="나눔바른고딕"/>
+              </a:rPr>
+              <a:t>17</a:t>
+            </a:r>
+            <a:r>
+              <a:rPr lang="ko-KR" altLang="en-US" sz="1100" dirty="0">
+                <a:latin typeface="나눔바른고딕" panose="020B0603020101020101" pitchFamily="50" charset="-127"/>
+                <a:ea typeface="나눔바른고딕"/>
+              </a:rPr>
+              <a:t>일</a:t>
+            </a:r>
+          </a:p>
+        </p:txBody>
+      </p:sp>
+      <p:sp>
+        <p:nvSpPr>
+          <p:cNvPr id="8" name="직사각형 7">
+            <a:extLst>
+              <a:ext uri="{FF2B5EF4-FFF2-40B4-BE49-F238E27FC236}">
+                <a16:creationId xmlns:a16="http://schemas.microsoft.com/office/drawing/2014/main" id="{C3D98BC5-6118-41A6-9DF0-EDDCCAC450D2}"/>
+              </a:ext>
+            </a:extLst>
+          </p:cNvPr>
+          <p:cNvSpPr/>
+          <p:nvPr/>
+        </p:nvSpPr>
+        <p:spPr>
+          <a:xfrm>
+            <a:off x="1057620" y="1264186"/>
+            <a:ext cx="10245685" cy="4810698"/>
+          </a:xfrm>
+          <a:prstGeom prst="rect">
+            <a:avLst/>
+          </a:prstGeom>
+        </p:spPr>
+        <p:style>
+          <a:lnRef idx="2">
+            <a:schemeClr val="accent1">
+              <a:shade val="50000"/>
+            </a:schemeClr>
+          </a:lnRef>
+          <a:fillRef idx="1">
+            <a:schemeClr val="accent1"/>
+          </a:fillRef>
+          <a:effectRef idx="0">
+            <a:schemeClr val="accent1"/>
+          </a:effectRef>
+          <a:fontRef idx="minor">
+            <a:schemeClr val="lt1"/>
+          </a:fontRef>
+        </p:style>
+        <p:txBody>
+          <a:bodyPr rtlCol="0" anchor="ctr"/>
+          <a:lstStyle/>
+          <a:p>
+            <a:pPr algn="ctr"/>
+            <a:r>
+              <a:rPr lang="ko-KR" altLang="en-US" b="1" dirty="0">
+                <a:ea typeface="맑은 고딕"/>
+              </a:rPr>
+              <a:t>영상 들어갈 곳!</a:t>
+            </a:r>
+            <a:endParaRPr lang="ko-KR" altLang="en-US" b="1" dirty="0"/>
+          </a:p>
+        </p:txBody>
+      </p:sp>
+    </p:spTree>
+    <p:extLst>
+      <p:ext uri="{BB962C8B-B14F-4D97-AF65-F5344CB8AC3E}">
+        <p14:creationId xmlns:p14="http://schemas.microsoft.com/office/powerpoint/2010/main" val="3129831915"/>
       </p:ext>
     </p:extLst>
   </p:cSld>
